--- a/Share/每周命题游戏设计/李硕/毕业.pptx
+++ b/Share/每周命题游戏设计/李硕/毕业.pptx
@@ -203,7 +203,7 @@
           <a:p>
             <a:fld id="{D2A48B96-639E-45A3-A0BA-2464DFDB1FAA}" type="datetimeFigureOut">
               <a:rPr lang="zh-CN" altLang="en-US" smtClean="0"/>
-              <a:t>2018/6/16</a:t>
+              <a:t>2018/6/17</a:t>
             </a:fld>
             <a:endParaRPr lang="zh-CN" altLang="en-US"/>
           </a:p>
@@ -602,7 +602,7 @@
           <a:p>
             <a:fld id="{D997B5FA-0921-464F-AAE1-844C04324D75}" type="datetimeFigureOut">
               <a:rPr lang="zh-CN" altLang="en-US" smtClean="0"/>
-              <a:t>2018/6/16</a:t>
+              <a:t>2018/6/17</a:t>
             </a:fld>
             <a:endParaRPr lang="zh-CN" altLang="en-US"/>
           </a:p>
@@ -771,7 +771,7 @@
           <a:p>
             <a:fld id="{D997B5FA-0921-464F-AAE1-844C04324D75}" type="datetimeFigureOut">
               <a:rPr lang="zh-CN" altLang="en-US" smtClean="0"/>
-              <a:t>2018/6/16</a:t>
+              <a:t>2018/6/17</a:t>
             </a:fld>
             <a:endParaRPr lang="zh-CN" altLang="en-US"/>
           </a:p>
@@ -950,7 +950,7 @@
           <a:p>
             <a:fld id="{D997B5FA-0921-464F-AAE1-844C04324D75}" type="datetimeFigureOut">
               <a:rPr lang="zh-CN" altLang="en-US" smtClean="0"/>
-              <a:t>2018/6/16</a:t>
+              <a:t>2018/6/17</a:t>
             </a:fld>
             <a:endParaRPr lang="zh-CN" altLang="en-US"/>
           </a:p>
@@ -1119,7 +1119,7 @@
           <a:p>
             <a:fld id="{D997B5FA-0921-464F-AAE1-844C04324D75}" type="datetimeFigureOut">
               <a:rPr lang="zh-CN" altLang="en-US" smtClean="0"/>
-              <a:t>2018/6/16</a:t>
+              <a:t>2018/6/17</a:t>
             </a:fld>
             <a:endParaRPr lang="zh-CN" altLang="en-US"/>
           </a:p>
@@ -1364,7 +1364,7 @@
           <a:p>
             <a:fld id="{D997B5FA-0921-464F-AAE1-844C04324D75}" type="datetimeFigureOut">
               <a:rPr lang="zh-CN" altLang="en-US" smtClean="0"/>
-              <a:t>2018/6/16</a:t>
+              <a:t>2018/6/17</a:t>
             </a:fld>
             <a:endParaRPr lang="zh-CN" altLang="en-US"/>
           </a:p>
@@ -1595,7 +1595,7 @@
           <a:p>
             <a:fld id="{D997B5FA-0921-464F-AAE1-844C04324D75}" type="datetimeFigureOut">
               <a:rPr lang="zh-CN" altLang="en-US" smtClean="0"/>
-              <a:t>2018/6/16</a:t>
+              <a:t>2018/6/17</a:t>
             </a:fld>
             <a:endParaRPr lang="zh-CN" altLang="en-US"/>
           </a:p>
@@ -1961,7 +1961,7 @@
           <a:p>
             <a:fld id="{D997B5FA-0921-464F-AAE1-844C04324D75}" type="datetimeFigureOut">
               <a:rPr lang="zh-CN" altLang="en-US" smtClean="0"/>
-              <a:t>2018/6/16</a:t>
+              <a:t>2018/6/17</a:t>
             </a:fld>
             <a:endParaRPr lang="zh-CN" altLang="en-US"/>
           </a:p>
@@ -2078,7 +2078,7 @@
           <a:p>
             <a:fld id="{D997B5FA-0921-464F-AAE1-844C04324D75}" type="datetimeFigureOut">
               <a:rPr lang="zh-CN" altLang="en-US" smtClean="0"/>
-              <a:t>2018/6/16</a:t>
+              <a:t>2018/6/17</a:t>
             </a:fld>
             <a:endParaRPr lang="zh-CN" altLang="en-US"/>
           </a:p>
@@ -2172,7 +2172,7 @@
           <a:p>
             <a:fld id="{D997B5FA-0921-464F-AAE1-844C04324D75}" type="datetimeFigureOut">
               <a:rPr lang="zh-CN" altLang="en-US" smtClean="0"/>
-              <a:t>2018/6/16</a:t>
+              <a:t>2018/6/17</a:t>
             </a:fld>
             <a:endParaRPr lang="zh-CN" altLang="en-US"/>
           </a:p>
@@ -2448,7 +2448,7 @@
           <a:p>
             <a:fld id="{D997B5FA-0921-464F-AAE1-844C04324D75}" type="datetimeFigureOut">
               <a:rPr lang="zh-CN" altLang="en-US" smtClean="0"/>
-              <a:t>2018/6/16</a:t>
+              <a:t>2018/6/17</a:t>
             </a:fld>
             <a:endParaRPr lang="zh-CN" altLang="en-US"/>
           </a:p>
@@ -2700,7 +2700,7 @@
           <a:p>
             <a:fld id="{D997B5FA-0921-464F-AAE1-844C04324D75}" type="datetimeFigureOut">
               <a:rPr lang="zh-CN" altLang="en-US" smtClean="0"/>
-              <a:t>2018/6/16</a:t>
+              <a:t>2018/6/17</a:t>
             </a:fld>
             <a:endParaRPr lang="zh-CN" altLang="en-US"/>
           </a:p>
@@ -2912,7 +2912,7 @@
           <a:p>
             <a:fld id="{D997B5FA-0921-464F-AAE1-844C04324D75}" type="datetimeFigureOut">
               <a:rPr lang="zh-CN" altLang="en-US" smtClean="0"/>
-              <a:t>2018/6/16</a:t>
+              <a:t>2018/6/17</a:t>
             </a:fld>
             <a:endParaRPr lang="zh-CN" altLang="en-US"/>
           </a:p>
@@ -3481,17 +3481,12 @@
             <a:pPr algn="ctr"/>
             <a:r>
               <a:rPr lang="zh-CN" altLang="en-US" sz="4000" dirty="0" smtClean="0"/>
-              <a:t>游</a:t>
-            </a:r>
-            <a:r>
-              <a:rPr lang="zh-CN" altLang="en-US" sz="4000" dirty="0" smtClean="0"/>
-              <a:t>戏</a:t>
+              <a:t>游戏</a:t>
             </a:r>
             <a:r>
               <a:rPr lang="zh-CN" altLang="en-US" sz="4000" dirty="0"/>
               <a:t>目标</a:t>
             </a:r>
-            <a:endParaRPr lang="zh-CN" altLang="en-US" sz="4000" dirty="0"/>
           </a:p>
         </p:txBody>
       </p:sp>
@@ -3652,7 +3647,7 @@
         <p:spPr>
           <a:xfrm>
             <a:off x="2654423" y="2707689"/>
-            <a:ext cx="9037468" cy="1631216"/>
+            <a:ext cx="4714043" cy="1631216"/>
           </a:xfrm>
           <a:prstGeom prst="rect">
             <a:avLst/>
@@ -3673,16 +3668,10 @@
               <a:buChar char="Ø"/>
             </a:pPr>
             <a:r>
-              <a:rPr lang="zh-CN" altLang="en-US" dirty="0">
-                <a:latin typeface="+mn-ea"/>
-              </a:rPr>
-              <a:t>第一人</a:t>
-            </a:r>
-            <a:r>
               <a:rPr lang="zh-CN" altLang="en-US" dirty="0" smtClean="0">
                 <a:latin typeface="+mn-ea"/>
               </a:rPr>
-              <a:t>称视角</a:t>
+              <a:t>第三人称视角</a:t>
             </a:r>
             <a:endParaRPr lang="en-US" altLang="zh-CN" dirty="0" smtClean="0">
               <a:latin typeface="+mn-ea"/>
@@ -3724,13 +3713,13 @@
               <a:rPr lang="zh-CN" altLang="en-US" dirty="0">
                 <a:latin typeface="+mn-ea"/>
               </a:rPr>
-              <a:t>鼠</a:t>
+              <a:t>键</a:t>
             </a:r>
             <a:r>
               <a:rPr lang="zh-CN" altLang="en-US" dirty="0" smtClean="0">
                 <a:latin typeface="+mn-ea"/>
               </a:rPr>
-              <a:t>标点击操作</a:t>
+              <a:t>鼠控制</a:t>
             </a:r>
             <a:endParaRPr lang="en-US" altLang="zh-CN" dirty="0" smtClean="0">
               <a:latin typeface="+mn-ea"/>
@@ -3888,7 +3877,7 @@
         </p:nvSpPr>
         <p:spPr>
           <a:xfrm>
-            <a:off x="2654423" y="2707689"/>
+            <a:off x="2334827" y="3211087"/>
             <a:ext cx="9037468" cy="435825"/>
           </a:xfrm>
           <a:prstGeom prst="rect">
@@ -3910,11 +3899,20 @@
               <a:buChar char="Ø"/>
             </a:pPr>
             <a:r>
-              <a:rPr lang="en-US" altLang="zh-CN" dirty="0" smtClean="0">
+              <a:rPr lang="zh-CN" altLang="en-US" dirty="0">
                 <a:latin typeface="+mn-ea"/>
               </a:rPr>
-              <a:t>11</a:t>
-            </a:r>
+              <a:t>玩</a:t>
+            </a:r>
+            <a:r>
+              <a:rPr lang="zh-CN" altLang="en-US" dirty="0" smtClean="0">
+                <a:latin typeface="+mn-ea"/>
+              </a:rPr>
+              <a:t>家以能够毕业为前提，尽可能地完成自己给自己设立的大学的目标（任务）</a:t>
+            </a:r>
+            <a:endParaRPr lang="en-US" altLang="zh-CN" dirty="0" smtClean="0">
+              <a:latin typeface="+mn-ea"/>
+            </a:endParaRPr>
           </a:p>
         </p:txBody>
       </p:sp>
@@ -4332,7 +4330,7 @@
         <p:spPr>
           <a:xfrm>
             <a:off x="2254928" y="1757778"/>
-            <a:ext cx="9037468" cy="2785378"/>
+            <a:ext cx="9037468" cy="3170099"/>
           </a:xfrm>
           <a:prstGeom prst="rect">
             <a:avLst/>
@@ -4364,6 +4362,66 @@
               </a:rPr>
               <a:t>景</a:t>
             </a:r>
+            <a:endParaRPr lang="en-US" altLang="zh-CN" dirty="0" smtClean="0">
+              <a:latin typeface="+mn-ea"/>
+            </a:endParaRPr>
+          </a:p>
+          <a:p>
+            <a:pPr>
+              <a:lnSpc>
+                <a:spcPts val="3000"/>
+              </a:lnSpc>
+            </a:pPr>
+            <a:r>
+              <a:rPr lang="en-US" altLang="zh-CN" dirty="0" smtClean="0">
+                <a:latin typeface="+mn-ea"/>
+              </a:rPr>
+              <a:t>--</a:t>
+            </a:r>
+            <a:r>
+              <a:rPr lang="zh-CN" altLang="en-US" dirty="0">
+                <a:latin typeface="+mn-ea"/>
+              </a:rPr>
+              <a:t>教</a:t>
+            </a:r>
+            <a:r>
+              <a:rPr lang="zh-CN" altLang="en-US" dirty="0" smtClean="0">
+                <a:latin typeface="+mn-ea"/>
+              </a:rPr>
+              <a:t>室、图书馆、操场、宿舍、翡翠湖、超市</a:t>
+            </a:r>
+            <a:r>
+              <a:rPr lang="zh-CN" altLang="en-US" dirty="0" smtClean="0">
+                <a:latin typeface="+mn-ea"/>
+              </a:rPr>
+              <a:t>、实验室</a:t>
+            </a:r>
+            <a:endParaRPr lang="en-US" altLang="zh-CN" dirty="0" smtClean="0">
+              <a:latin typeface="+mn-ea"/>
+            </a:endParaRPr>
+          </a:p>
+          <a:p>
+            <a:pPr>
+              <a:lnSpc>
+                <a:spcPts val="3000"/>
+              </a:lnSpc>
+            </a:pPr>
+            <a:r>
+              <a:rPr lang="zh-CN" altLang="en-US" dirty="0" smtClean="0">
+                <a:latin typeface="+mn-ea"/>
+              </a:rPr>
+              <a:t>注：每个学期，每个场景都有些变化</a:t>
+            </a:r>
+            <a:endParaRPr lang="en-US" altLang="zh-CN" dirty="0" smtClean="0">
+              <a:latin typeface="+mn-ea"/>
+            </a:endParaRPr>
+          </a:p>
+          <a:p>
+            <a:pPr>
+              <a:lnSpc>
+                <a:spcPts val="3000"/>
+              </a:lnSpc>
+            </a:pPr>
             <a:endParaRPr lang="en-US" altLang="zh-CN" dirty="0" smtClean="0">
               <a:latin typeface="+mn-ea"/>
             </a:endParaRPr>
@@ -4388,59 +4446,58 @@
               <a:buFont typeface="Wingdings" panose="05000000000000000000" pitchFamily="2" charset="2"/>
               <a:buChar char="Ø"/>
             </a:pPr>
+            <a:r>
+              <a:rPr lang="zh-CN" altLang="en-US" dirty="0">
+                <a:latin typeface="+mn-ea"/>
+              </a:rPr>
+              <a:t>事</a:t>
+            </a:r>
+            <a:r>
+              <a:rPr lang="zh-CN" altLang="en-US" dirty="0" smtClean="0">
+                <a:latin typeface="+mn-ea"/>
+              </a:rPr>
+              <a:t>件（任务）</a:t>
+            </a:r>
             <a:endParaRPr lang="en-US" altLang="zh-CN" dirty="0" smtClean="0">
               <a:latin typeface="+mn-ea"/>
             </a:endParaRPr>
           </a:p>
           <a:p>
-            <a:pPr marL="285750" indent="-285750">
+            <a:pPr>
               <a:lnSpc>
                 <a:spcPts val="3000"/>
               </a:lnSpc>
-              <a:buFont typeface="Wingdings" panose="05000000000000000000" pitchFamily="2" charset="2"/>
-              <a:buChar char="Ø"/>
             </a:pPr>
-            <a:endParaRPr lang="en-US" altLang="zh-CN" dirty="0">
-              <a:latin typeface="+mn-ea"/>
-            </a:endParaRPr>
-          </a:p>
-          <a:p>
-            <a:pPr marL="285750" indent="-285750">
+            <a:r>
+              <a:rPr lang="en-US" altLang="zh-CN" dirty="0" smtClean="0">
+                <a:latin typeface="+mn-ea"/>
+              </a:rPr>
+              <a:t>--</a:t>
+            </a:r>
+            <a:r>
+              <a:rPr lang="zh-CN" altLang="en-US" dirty="0" smtClean="0">
+                <a:latin typeface="+mn-ea"/>
+              </a:rPr>
+              <a:t>当学霸、谈恋爱、看几本书、偷超市的方便面、上网打游戏、参加社团</a:t>
+            </a:r>
+            <a:r>
+              <a:rPr lang="en-US" altLang="zh-CN" dirty="0" smtClean="0">
+                <a:latin typeface="+mn-ea"/>
+              </a:rPr>
+              <a:t>……</a:t>
+            </a:r>
+          </a:p>
+          <a:p>
+            <a:pPr>
               <a:lnSpc>
                 <a:spcPts val="3000"/>
               </a:lnSpc>
-              <a:buFont typeface="Wingdings" panose="05000000000000000000" pitchFamily="2" charset="2"/>
-              <a:buChar char="Ø"/>
-            </a:pPr>
-            <a:endParaRPr lang="en-US" altLang="zh-CN" dirty="0" smtClean="0">
-              <a:latin typeface="+mn-ea"/>
-            </a:endParaRPr>
-          </a:p>
-          <a:p>
-            <a:pPr marL="285750" indent="-285750">
-              <a:lnSpc>
-                <a:spcPts val="3000"/>
-              </a:lnSpc>
-              <a:buFont typeface="Wingdings" panose="05000000000000000000" pitchFamily="2" charset="2"/>
-              <a:buChar char="Ø"/>
-            </a:pPr>
-            <a:endParaRPr lang="en-US" altLang="zh-CN" dirty="0">
-              <a:latin typeface="+mn-ea"/>
-            </a:endParaRPr>
-          </a:p>
-          <a:p>
-            <a:pPr marL="285750" indent="-285750">
-              <a:lnSpc>
-                <a:spcPts val="3000"/>
-              </a:lnSpc>
-              <a:buFont typeface="Wingdings" panose="05000000000000000000" pitchFamily="2" charset="2"/>
-              <a:buChar char="Ø"/>
             </a:pPr>
             <a:r>
               <a:rPr lang="zh-CN" altLang="en-US" dirty="0">
                 <a:latin typeface="+mn-ea"/>
               </a:rPr>
-              <a:t>事件</a:t>
+              <a:t>注：是否完成无所谓</a:t>
             </a:r>
             <a:endParaRPr lang="en-US" altLang="zh-CN" dirty="0" smtClean="0">
               <a:latin typeface="+mn-ea"/>
@@ -4531,8 +4588,16 @@
           <a:p>
             <a:pPr algn="ctr"/>
             <a:r>
+              <a:rPr lang="zh-CN" altLang="en-US" sz="4000" dirty="0"/>
+              <a:t>游戏</a:t>
+            </a:r>
+            <a:r>
               <a:rPr lang="zh-CN" altLang="en-US" sz="4000" dirty="0" smtClean="0"/>
-              <a:t>操作界面</a:t>
+              <a:t>界</a:t>
+            </a:r>
+            <a:r>
+              <a:rPr lang="zh-CN" altLang="en-US" sz="4000" dirty="0" smtClean="0"/>
+              <a:t>面</a:t>
             </a:r>
             <a:endParaRPr lang="zh-CN" altLang="en-US" sz="4000" dirty="0"/>
           </a:p>
@@ -4550,6 +4615,49 @@
             <a:ext cx="9330431" cy="4927106"/>
           </a:xfrm>
           <a:prstGeom prst="rect">
+            <a:avLst/>
+          </a:prstGeom>
+          <a:solidFill>
+            <a:schemeClr val="bg1"/>
+          </a:solidFill>
+        </p:spPr>
+        <p:style>
+          <a:lnRef idx="2">
+            <a:schemeClr val="accent1">
+              <a:shade val="50000"/>
+            </a:schemeClr>
+          </a:lnRef>
+          <a:fillRef idx="1">
+            <a:schemeClr val="accent1"/>
+          </a:fillRef>
+          <a:effectRef idx="0">
+            <a:schemeClr val="accent1"/>
+          </a:effectRef>
+          <a:fontRef idx="minor">
+            <a:schemeClr val="lt1"/>
+          </a:fontRef>
+        </p:style>
+        <p:txBody>
+          <a:bodyPr rtlCol="0" anchor="ctr"/>
+          <a:lstStyle/>
+          <a:p>
+            <a:pPr algn="ctr"/>
+            <a:endParaRPr lang="zh-CN" altLang="en-US"/>
+          </a:p>
+        </p:txBody>
+      </p:sp>
+      <p:sp>
+        <p:nvSpPr>
+          <p:cNvPr id="2" name="Flowchart: Card 1"/>
+          <p:cNvSpPr/>
+          <p:nvPr/>
+        </p:nvSpPr>
+        <p:spPr>
+          <a:xfrm>
+            <a:off x="2228296" y="1411549"/>
+            <a:ext cx="1686756" cy="994299"/>
+          </a:xfrm>
+          <a:prstGeom prst="flowChartPunchedCard">
             <a:avLst/>
           </a:prstGeom>
         </p:spPr>
@@ -4574,7 +4682,274 @@
           <a:lstStyle/>
           <a:p>
             <a:pPr algn="ctr"/>
-            <a:endParaRPr lang="zh-CN" altLang="en-US"/>
+            <a:r>
+              <a:rPr lang="zh-CN" altLang="en-US" dirty="0" smtClean="0"/>
+              <a:t>场景</a:t>
+            </a:r>
+            <a:r>
+              <a:rPr lang="en-US" altLang="zh-CN" dirty="0" smtClean="0"/>
+              <a:t>1</a:t>
+            </a:r>
+            <a:endParaRPr lang="zh-CN" altLang="en-US" dirty="0"/>
+          </a:p>
+        </p:txBody>
+      </p:sp>
+      <p:sp>
+        <p:nvSpPr>
+          <p:cNvPr id="4" name="Flowchart: Preparation 3"/>
+          <p:cNvSpPr/>
+          <p:nvPr/>
+        </p:nvSpPr>
+        <p:spPr>
+          <a:xfrm>
+            <a:off x="4864964" y="1908699"/>
+            <a:ext cx="1411549" cy="1562470"/>
+          </a:xfrm>
+          <a:prstGeom prst="flowChartPreparation">
+            <a:avLst/>
+          </a:prstGeom>
+        </p:spPr>
+        <p:style>
+          <a:lnRef idx="2">
+            <a:schemeClr val="accent1">
+              <a:shade val="50000"/>
+            </a:schemeClr>
+          </a:lnRef>
+          <a:fillRef idx="1">
+            <a:schemeClr val="accent1"/>
+          </a:fillRef>
+          <a:effectRef idx="0">
+            <a:schemeClr val="accent1"/>
+          </a:effectRef>
+          <a:fontRef idx="minor">
+            <a:schemeClr val="lt1"/>
+          </a:fontRef>
+        </p:style>
+        <p:txBody>
+          <a:bodyPr rtlCol="0" anchor="ctr"/>
+          <a:lstStyle/>
+          <a:p>
+            <a:pPr algn="ctr"/>
+            <a:r>
+              <a:rPr lang="zh-CN" altLang="en-US" dirty="0" smtClean="0"/>
+              <a:t>场景</a:t>
+            </a:r>
+            <a:r>
+              <a:rPr lang="en-US" altLang="zh-CN" dirty="0" smtClean="0"/>
+              <a:t>2</a:t>
+            </a:r>
+            <a:endParaRPr lang="zh-CN" altLang="en-US" dirty="0"/>
+          </a:p>
+        </p:txBody>
+      </p:sp>
+      <p:sp>
+        <p:nvSpPr>
+          <p:cNvPr id="5" name="Flowchart: Manual Input 4"/>
+          <p:cNvSpPr/>
+          <p:nvPr/>
+        </p:nvSpPr>
+        <p:spPr>
+          <a:xfrm>
+            <a:off x="7696940" y="1491449"/>
+            <a:ext cx="1580225" cy="1455937"/>
+          </a:xfrm>
+          <a:prstGeom prst="flowChartManualInput">
+            <a:avLst/>
+          </a:prstGeom>
+        </p:spPr>
+        <p:style>
+          <a:lnRef idx="2">
+            <a:schemeClr val="accent1">
+              <a:shade val="50000"/>
+            </a:schemeClr>
+          </a:lnRef>
+          <a:fillRef idx="1">
+            <a:schemeClr val="accent1"/>
+          </a:fillRef>
+          <a:effectRef idx="0">
+            <a:schemeClr val="accent1"/>
+          </a:effectRef>
+          <a:fontRef idx="minor">
+            <a:schemeClr val="lt1"/>
+          </a:fontRef>
+        </p:style>
+        <p:txBody>
+          <a:bodyPr rtlCol="0" anchor="ctr"/>
+          <a:lstStyle/>
+          <a:p>
+            <a:pPr algn="ctr"/>
+            <a:endParaRPr lang="zh-CN" altLang="en-US"/>
+          </a:p>
+        </p:txBody>
+      </p:sp>
+      <p:sp>
+        <p:nvSpPr>
+          <p:cNvPr id="7" name="Flowchart: Data 6"/>
+          <p:cNvSpPr/>
+          <p:nvPr/>
+        </p:nvSpPr>
+        <p:spPr>
+          <a:xfrm>
+            <a:off x="2370338" y="3781887"/>
+            <a:ext cx="1819922" cy="1242874"/>
+          </a:xfrm>
+          <a:prstGeom prst="flowChartInputOutput">
+            <a:avLst/>
+          </a:prstGeom>
+        </p:spPr>
+        <p:style>
+          <a:lnRef idx="2">
+            <a:schemeClr val="accent1">
+              <a:shade val="50000"/>
+            </a:schemeClr>
+          </a:lnRef>
+          <a:fillRef idx="1">
+            <a:schemeClr val="accent1"/>
+          </a:fillRef>
+          <a:effectRef idx="0">
+            <a:schemeClr val="accent1"/>
+          </a:effectRef>
+          <a:fontRef idx="minor">
+            <a:schemeClr val="lt1"/>
+          </a:fontRef>
+        </p:style>
+        <p:txBody>
+          <a:bodyPr rtlCol="0" anchor="ctr"/>
+          <a:lstStyle/>
+          <a:p>
+            <a:pPr algn="ctr"/>
+            <a:endParaRPr lang="zh-CN" altLang="en-US"/>
+          </a:p>
+        </p:txBody>
+      </p:sp>
+      <p:sp>
+        <p:nvSpPr>
+          <p:cNvPr id="8" name="Flowchart: Manual Operation 7"/>
+          <p:cNvSpPr/>
+          <p:nvPr/>
+        </p:nvSpPr>
+        <p:spPr>
+          <a:xfrm>
+            <a:off x="5779363" y="4190260"/>
+            <a:ext cx="1917577" cy="1526959"/>
+          </a:xfrm>
+          <a:prstGeom prst="flowChartManualOperation">
+            <a:avLst/>
+          </a:prstGeom>
+        </p:spPr>
+        <p:style>
+          <a:lnRef idx="2">
+            <a:schemeClr val="accent1">
+              <a:shade val="50000"/>
+            </a:schemeClr>
+          </a:lnRef>
+          <a:fillRef idx="1">
+            <a:schemeClr val="accent1"/>
+          </a:fillRef>
+          <a:effectRef idx="0">
+            <a:schemeClr val="accent1"/>
+          </a:effectRef>
+          <a:fontRef idx="minor">
+            <a:schemeClr val="lt1"/>
+          </a:fontRef>
+        </p:style>
+        <p:txBody>
+          <a:bodyPr rtlCol="0" anchor="ctr"/>
+          <a:lstStyle/>
+          <a:p>
+            <a:pPr algn="ctr"/>
+            <a:endParaRPr lang="zh-CN" altLang="en-US"/>
+          </a:p>
+        </p:txBody>
+      </p:sp>
+      <p:sp>
+        <p:nvSpPr>
+          <p:cNvPr id="9" name="Flowchart: Punched Tape 8"/>
+          <p:cNvSpPr/>
+          <p:nvPr/>
+        </p:nvSpPr>
+        <p:spPr>
+          <a:xfrm>
+            <a:off x="8602462" y="3781887"/>
+            <a:ext cx="1970843" cy="1242874"/>
+          </a:xfrm>
+          <a:prstGeom prst="flowChartPunchedTape">
+            <a:avLst/>
+          </a:prstGeom>
+        </p:spPr>
+        <p:style>
+          <a:lnRef idx="2">
+            <a:schemeClr val="accent1">
+              <a:shade val="50000"/>
+            </a:schemeClr>
+          </a:lnRef>
+          <a:fillRef idx="1">
+            <a:schemeClr val="accent1"/>
+          </a:fillRef>
+          <a:effectRef idx="0">
+            <a:schemeClr val="accent1"/>
+          </a:effectRef>
+          <a:fontRef idx="minor">
+            <a:schemeClr val="lt1"/>
+          </a:fontRef>
+        </p:style>
+        <p:txBody>
+          <a:bodyPr rtlCol="0" anchor="ctr"/>
+          <a:lstStyle/>
+          <a:p>
+            <a:pPr algn="ctr"/>
+            <a:endParaRPr lang="zh-CN" altLang="en-US"/>
+          </a:p>
+        </p:txBody>
+      </p:sp>
+      <p:sp>
+        <p:nvSpPr>
+          <p:cNvPr id="10" name="TextBox 9"/>
+          <p:cNvSpPr txBox="1"/>
+          <p:nvPr/>
+        </p:nvSpPr>
+        <p:spPr>
+          <a:xfrm>
+            <a:off x="4611950" y="5944469"/>
+            <a:ext cx="3515556" cy="646331"/>
+          </a:xfrm>
+          <a:prstGeom prst="rect">
+            <a:avLst/>
+          </a:prstGeom>
+          <a:noFill/>
+        </p:spPr>
+        <p:txBody>
+          <a:bodyPr wrap="square" rtlCol="0">
+            <a:spAutoFit/>
+          </a:bodyPr>
+          <a:lstStyle/>
+          <a:p>
+            <a:pPr algn="ctr"/>
+            <a:r>
+              <a:rPr lang="zh-CN" altLang="en-US" dirty="0"/>
+              <a:t>世界地</a:t>
+            </a:r>
+            <a:r>
+              <a:rPr lang="zh-CN" altLang="en-US" dirty="0" smtClean="0"/>
+              <a:t>图</a:t>
+            </a:r>
+            <a:r>
+              <a:rPr lang="en-US" altLang="zh-CN" dirty="0" smtClean="0"/>
+              <a:t>—</a:t>
+            </a:r>
+            <a:r>
+              <a:rPr lang="zh-CN" altLang="en-US" dirty="0" smtClean="0"/>
+              <a:t>点击进入场景</a:t>
+            </a:r>
+            <a:endParaRPr lang="en-US" altLang="zh-CN" dirty="0" smtClean="0"/>
+          </a:p>
+          <a:p>
+            <a:pPr algn="ctr"/>
+            <a:r>
+              <a:rPr lang="zh-CN" altLang="en-US" dirty="0" smtClean="0"/>
+              <a:t>（尽可能地减少玩家无用的行走）</a:t>
+            </a:r>
+            <a:endParaRPr lang="zh-CN" altLang="en-US" dirty="0"/>
           </a:p>
         </p:txBody>
       </p:sp>
